--- a/2_ADF/PPT/2_Activities/2_Data Transformation Activities/1_Data Flow/1_Multiple inputs-outputs/6_New branch/1_New branch.pptx
+++ b/2_ADF/PPT/2_Activities/2_Data Transformation Activities/1_Data Flow/1_Multiple inputs-outputs/6_New branch/1_New branch.pptx
@@ -6,6 +6,10 @@
   </p:sldMasterIdLst>
   <p:sldIdLst>
     <p:sldId id="256" r:id="rId2"/>
+    <p:sldId id="257" r:id="rId3"/>
+    <p:sldId id="259" r:id="rId4"/>
+    <p:sldId id="258" r:id="rId5"/>
+    <p:sldId id="260" r:id="rId6"/>
   </p:sldIdLst>
   <p:sldSz cx="12192000" cy="6858000"/>
   <p:notesSz cx="6858000" cy="9144000"/>
@@ -104,6 +108,11 @@
       </a:defRPr>
     </a:lvl9pPr>
   </p:defaultTextStyle>
+  <p:extLst>
+    <p:ext uri="{EFAFB233-063F-42B5-8137-9DF3F51BA10A}">
+      <p15:sldGuideLst xmlns:p15="http://schemas.microsoft.com/office/powerpoint/2012/main"/>
+    </p:ext>
+  </p:extLst>
 </p:presentation>
 </file>
 
@@ -256,7 +265,7 @@
           <a:p>
             <a:fld id="{781BE107-6F44-4830-8A0A-B1418090F789}" type="datetimeFigureOut">
               <a:rPr lang="en-IN" smtClean="0"/>
-              <a:t>19-02-2023</a:t>
+              <a:t>21-02-2023</a:t>
             </a:fld>
             <a:endParaRPr lang="en-IN"/>
           </a:p>
@@ -456,7 +465,7 @@
           <a:p>
             <a:fld id="{781BE107-6F44-4830-8A0A-B1418090F789}" type="datetimeFigureOut">
               <a:rPr lang="en-IN" smtClean="0"/>
-              <a:t>19-02-2023</a:t>
+              <a:t>21-02-2023</a:t>
             </a:fld>
             <a:endParaRPr lang="en-IN"/>
           </a:p>
@@ -666,7 +675,7 @@
           <a:p>
             <a:fld id="{781BE107-6F44-4830-8A0A-B1418090F789}" type="datetimeFigureOut">
               <a:rPr lang="en-IN" smtClean="0"/>
-              <a:t>19-02-2023</a:t>
+              <a:t>21-02-2023</a:t>
             </a:fld>
             <a:endParaRPr lang="en-IN"/>
           </a:p>
@@ -866,7 +875,7 @@
           <a:p>
             <a:fld id="{781BE107-6F44-4830-8A0A-B1418090F789}" type="datetimeFigureOut">
               <a:rPr lang="en-IN" smtClean="0"/>
-              <a:t>19-02-2023</a:t>
+              <a:t>21-02-2023</a:t>
             </a:fld>
             <a:endParaRPr lang="en-IN"/>
           </a:p>
@@ -1142,7 +1151,7 @@
           <a:p>
             <a:fld id="{781BE107-6F44-4830-8A0A-B1418090F789}" type="datetimeFigureOut">
               <a:rPr lang="en-IN" smtClean="0"/>
-              <a:t>19-02-2023</a:t>
+              <a:t>21-02-2023</a:t>
             </a:fld>
             <a:endParaRPr lang="en-IN"/>
           </a:p>
@@ -1410,7 +1419,7 @@
           <a:p>
             <a:fld id="{781BE107-6F44-4830-8A0A-B1418090F789}" type="datetimeFigureOut">
               <a:rPr lang="en-IN" smtClean="0"/>
-              <a:t>19-02-2023</a:t>
+              <a:t>21-02-2023</a:t>
             </a:fld>
             <a:endParaRPr lang="en-IN"/>
           </a:p>
@@ -1825,7 +1834,7 @@
           <a:p>
             <a:fld id="{781BE107-6F44-4830-8A0A-B1418090F789}" type="datetimeFigureOut">
               <a:rPr lang="en-IN" smtClean="0"/>
-              <a:t>19-02-2023</a:t>
+              <a:t>21-02-2023</a:t>
             </a:fld>
             <a:endParaRPr lang="en-IN"/>
           </a:p>
@@ -1967,7 +1976,7 @@
           <a:p>
             <a:fld id="{781BE107-6F44-4830-8A0A-B1418090F789}" type="datetimeFigureOut">
               <a:rPr lang="en-IN" smtClean="0"/>
-              <a:t>19-02-2023</a:t>
+              <a:t>21-02-2023</a:t>
             </a:fld>
             <a:endParaRPr lang="en-IN"/>
           </a:p>
@@ -2080,7 +2089,7 @@
           <a:p>
             <a:fld id="{781BE107-6F44-4830-8A0A-B1418090F789}" type="datetimeFigureOut">
               <a:rPr lang="en-IN" smtClean="0"/>
-              <a:t>19-02-2023</a:t>
+              <a:t>21-02-2023</a:t>
             </a:fld>
             <a:endParaRPr lang="en-IN"/>
           </a:p>
@@ -2393,7 +2402,7 @@
           <a:p>
             <a:fld id="{781BE107-6F44-4830-8A0A-B1418090F789}" type="datetimeFigureOut">
               <a:rPr lang="en-IN" smtClean="0"/>
-              <a:t>19-02-2023</a:t>
+              <a:t>21-02-2023</a:t>
             </a:fld>
             <a:endParaRPr lang="en-IN"/>
           </a:p>
@@ -2682,7 +2691,7 @@
           <a:p>
             <a:fld id="{781BE107-6F44-4830-8A0A-B1418090F789}" type="datetimeFigureOut">
               <a:rPr lang="en-IN" smtClean="0"/>
-              <a:t>19-02-2023</a:t>
+              <a:t>21-02-2023</a:t>
             </a:fld>
             <a:endParaRPr lang="en-IN"/>
           </a:p>
@@ -2925,7 +2934,7 @@
           <a:p>
             <a:fld id="{781BE107-6F44-4830-8A0A-B1418090F789}" type="datetimeFigureOut">
               <a:rPr lang="en-IN" smtClean="0"/>
-              <a:t>19-02-2023</a:t>
+              <a:t>21-02-2023</a:t>
             </a:fld>
             <a:endParaRPr lang="en-IN"/>
           </a:p>
@@ -3342,10 +3351,713 @@
           <a:chExt cx="0" cy="0"/>
         </a:xfrm>
       </p:grpSpPr>
+      <p:pic>
+        <p:nvPicPr>
+          <p:cNvPr id="3" name="Picture 2">
+            <a:extLst>
+              <a:ext uri="{FF2B5EF4-FFF2-40B4-BE49-F238E27FC236}">
+                <a16:creationId xmlns:a16="http://schemas.microsoft.com/office/drawing/2014/main" id="{1FC807DC-03C2-40D9-B4E6-1CE213B04159}"/>
+              </a:ext>
+            </a:extLst>
+          </p:cNvPr>
+          <p:cNvPicPr>
+            <a:picLocks noChangeAspect="1"/>
+          </p:cNvPicPr>
+          <p:nvPr/>
+        </p:nvPicPr>
+        <p:blipFill>
+          <a:blip r:embed="rId2"/>
+          <a:stretch>
+            <a:fillRect/>
+          </a:stretch>
+        </p:blipFill>
+        <p:spPr>
+          <a:xfrm>
+            <a:off x="166418" y="159678"/>
+            <a:ext cx="5371740" cy="1158193"/>
+          </a:xfrm>
+          <a:prstGeom prst="rect">
+            <a:avLst/>
+          </a:prstGeom>
+        </p:spPr>
+      </p:pic>
+      <p:pic>
+        <p:nvPicPr>
+          <p:cNvPr id="5" name="Picture 4">
+            <a:extLst>
+              <a:ext uri="{FF2B5EF4-FFF2-40B4-BE49-F238E27FC236}">
+                <a16:creationId xmlns:a16="http://schemas.microsoft.com/office/drawing/2014/main" id="{48C0F08B-0BBA-4644-967C-B881BE28CC2B}"/>
+              </a:ext>
+            </a:extLst>
+          </p:cNvPr>
+          <p:cNvPicPr>
+            <a:picLocks noChangeAspect="1"/>
+          </p:cNvPicPr>
+          <p:nvPr/>
+        </p:nvPicPr>
+        <p:blipFill>
+          <a:blip r:embed="rId3"/>
+          <a:stretch>
+            <a:fillRect/>
+          </a:stretch>
+        </p:blipFill>
+        <p:spPr>
+          <a:xfrm>
+            <a:off x="166418" y="1496141"/>
+            <a:ext cx="6905017" cy="2188210"/>
+          </a:xfrm>
+          <a:prstGeom prst="rect">
+            <a:avLst/>
+          </a:prstGeom>
+          <a:ln w="15875">
+            <a:solidFill>
+              <a:schemeClr val="tx1"/>
+            </a:solidFill>
+          </a:ln>
+        </p:spPr>
+      </p:pic>
     </p:spTree>
     <p:extLst>
       <p:ext uri="{BB962C8B-B14F-4D97-AF65-F5344CB8AC3E}">
         <p14:creationId xmlns:p14="http://schemas.microsoft.com/office/powerpoint/2010/main" val="287687982"/>
+      </p:ext>
+    </p:extLst>
+  </p:cSld>
+  <p:clrMapOvr>
+    <a:masterClrMapping/>
+  </p:clrMapOvr>
+</p:sld>
+</file>
+
+<file path=ppt/slides/slide2.xml><?xml version="1.0" encoding="utf-8"?>
+<p:sld xmlns:a="http://schemas.openxmlformats.org/drawingml/2006/main" xmlns:r="http://schemas.openxmlformats.org/officeDocument/2006/relationships" xmlns:p="http://schemas.openxmlformats.org/presentationml/2006/main">
+  <p:cSld>
+    <p:spTree>
+      <p:nvGrpSpPr>
+        <p:cNvPr id="1" name=""/>
+        <p:cNvGrpSpPr/>
+        <p:nvPr/>
+      </p:nvGrpSpPr>
+      <p:grpSpPr>
+        <a:xfrm>
+          <a:off x="0" y="0"/>
+          <a:ext cx="0" cy="0"/>
+          <a:chOff x="0" y="0"/>
+          <a:chExt cx="0" cy="0"/>
+        </a:xfrm>
+      </p:grpSpPr>
+      <p:pic>
+        <p:nvPicPr>
+          <p:cNvPr id="3" name="Picture 2">
+            <a:extLst>
+              <a:ext uri="{FF2B5EF4-FFF2-40B4-BE49-F238E27FC236}">
+                <a16:creationId xmlns:a16="http://schemas.microsoft.com/office/drawing/2014/main" id="{38C80A76-0EAE-4642-86A5-E30A5A884473}"/>
+              </a:ext>
+            </a:extLst>
+          </p:cNvPr>
+          <p:cNvPicPr>
+            <a:picLocks noChangeAspect="1"/>
+          </p:cNvPicPr>
+          <p:nvPr/>
+        </p:nvPicPr>
+        <p:blipFill rotWithShape="1">
+          <a:blip r:embed="rId2"/>
+          <a:srcRect l="20310" t="22264" r="36765" b="38742"/>
+          <a:stretch/>
+        </p:blipFill>
+        <p:spPr>
+          <a:xfrm>
+            <a:off x="215661" y="198406"/>
+            <a:ext cx="7034648" cy="3994032"/>
+          </a:xfrm>
+          <a:prstGeom prst="rect">
+            <a:avLst/>
+          </a:prstGeom>
+          <a:ln w="15875">
+            <a:solidFill>
+              <a:schemeClr val="tx1"/>
+            </a:solidFill>
+          </a:ln>
+        </p:spPr>
+      </p:pic>
+    </p:spTree>
+    <p:extLst>
+      <p:ext uri="{BB962C8B-B14F-4D97-AF65-F5344CB8AC3E}">
+        <p14:creationId xmlns:p14="http://schemas.microsoft.com/office/powerpoint/2010/main" val="1641012159"/>
+      </p:ext>
+    </p:extLst>
+  </p:cSld>
+  <p:clrMapOvr>
+    <a:masterClrMapping/>
+  </p:clrMapOvr>
+</p:sld>
+</file>
+
+<file path=ppt/slides/slide3.xml><?xml version="1.0" encoding="utf-8"?>
+<p:sld xmlns:a="http://schemas.openxmlformats.org/drawingml/2006/main" xmlns:r="http://schemas.openxmlformats.org/officeDocument/2006/relationships" xmlns:p="http://schemas.openxmlformats.org/presentationml/2006/main">
+  <p:cSld>
+    <p:spTree>
+      <p:nvGrpSpPr>
+        <p:cNvPr id="1" name=""/>
+        <p:cNvGrpSpPr/>
+        <p:nvPr/>
+      </p:nvGrpSpPr>
+      <p:grpSpPr>
+        <a:xfrm>
+          <a:off x="0" y="0"/>
+          <a:ext cx="0" cy="0"/>
+          <a:chOff x="0" y="0"/>
+          <a:chExt cx="0" cy="0"/>
+        </a:xfrm>
+      </p:grpSpPr>
+      <p:pic>
+        <p:nvPicPr>
+          <p:cNvPr id="3" name="Picture 2">
+            <a:extLst>
+              <a:ext uri="{FF2B5EF4-FFF2-40B4-BE49-F238E27FC236}">
+                <a16:creationId xmlns:a16="http://schemas.microsoft.com/office/drawing/2014/main" id="{68AD8389-5597-44DC-BE30-B8E92C5156F2}"/>
+              </a:ext>
+            </a:extLst>
+          </p:cNvPr>
+          <p:cNvPicPr>
+            <a:picLocks noChangeAspect="1"/>
+          </p:cNvPicPr>
+          <p:nvPr/>
+        </p:nvPicPr>
+        <p:blipFill rotWithShape="1">
+          <a:blip r:embed="rId2"/>
+          <a:srcRect l="22370" t="26525" r="20981" b="15744"/>
+          <a:stretch/>
+        </p:blipFill>
+        <p:spPr>
+          <a:xfrm>
+            <a:off x="223736" y="194552"/>
+            <a:ext cx="7850221" cy="5000063"/>
+          </a:xfrm>
+          <a:prstGeom prst="rect">
+            <a:avLst/>
+          </a:prstGeom>
+          <a:ln w="15875">
+            <a:solidFill>
+              <a:schemeClr val="tx1"/>
+            </a:solidFill>
+          </a:ln>
+        </p:spPr>
+      </p:pic>
+      <p:sp>
+        <p:nvSpPr>
+          <p:cNvPr id="4" name="Rectangle 3">
+            <a:extLst>
+              <a:ext uri="{FF2B5EF4-FFF2-40B4-BE49-F238E27FC236}">
+                <a16:creationId xmlns:a16="http://schemas.microsoft.com/office/drawing/2014/main" id="{9E87E7D9-64A1-48FB-BA0B-464588912788}"/>
+              </a:ext>
+            </a:extLst>
+          </p:cNvPr>
+          <p:cNvSpPr/>
+          <p:nvPr/>
+        </p:nvSpPr>
+        <p:spPr>
+          <a:xfrm>
+            <a:off x="340468" y="1877438"/>
+            <a:ext cx="1410511" cy="301558"/>
+          </a:xfrm>
+          <a:prstGeom prst="rect">
+            <a:avLst/>
+          </a:prstGeom>
+          <a:noFill/>
+          <a:ln w="25400">
+            <a:solidFill>
+              <a:srgbClr val="FF0000"/>
+            </a:solidFill>
+          </a:ln>
+        </p:spPr>
+        <p:style>
+          <a:lnRef idx="2">
+            <a:schemeClr val="accent1">
+              <a:shade val="50000"/>
+            </a:schemeClr>
+          </a:lnRef>
+          <a:fillRef idx="1">
+            <a:schemeClr val="accent1"/>
+          </a:fillRef>
+          <a:effectRef idx="0">
+            <a:schemeClr val="accent1"/>
+          </a:effectRef>
+          <a:fontRef idx="minor">
+            <a:schemeClr val="lt1"/>
+          </a:fontRef>
+        </p:style>
+        <p:txBody>
+          <a:bodyPr rtlCol="0" anchor="ctr"/>
+          <a:lstStyle/>
+          <a:p>
+            <a:pPr algn="ctr"/>
+            <a:endParaRPr lang="en-IN"/>
+          </a:p>
+        </p:txBody>
+      </p:sp>
+      <p:sp>
+        <p:nvSpPr>
+          <p:cNvPr id="5" name="Rectangle 4">
+            <a:extLst>
+              <a:ext uri="{FF2B5EF4-FFF2-40B4-BE49-F238E27FC236}">
+                <a16:creationId xmlns:a16="http://schemas.microsoft.com/office/drawing/2014/main" id="{0E07E5DC-E1C2-43C8-A7CC-B58E98FAC479}"/>
+              </a:ext>
+            </a:extLst>
+          </p:cNvPr>
+          <p:cNvSpPr/>
+          <p:nvPr/>
+        </p:nvSpPr>
+        <p:spPr>
+          <a:xfrm>
+            <a:off x="2594043" y="2778868"/>
+            <a:ext cx="791184" cy="256162"/>
+          </a:xfrm>
+          <a:prstGeom prst="rect">
+            <a:avLst/>
+          </a:prstGeom>
+          <a:noFill/>
+          <a:ln w="25400">
+            <a:solidFill>
+              <a:srgbClr val="FF0000"/>
+            </a:solidFill>
+          </a:ln>
+        </p:spPr>
+        <p:style>
+          <a:lnRef idx="2">
+            <a:schemeClr val="accent1">
+              <a:shade val="50000"/>
+            </a:schemeClr>
+          </a:lnRef>
+          <a:fillRef idx="1">
+            <a:schemeClr val="accent1"/>
+          </a:fillRef>
+          <a:effectRef idx="0">
+            <a:schemeClr val="accent1"/>
+          </a:effectRef>
+          <a:fontRef idx="minor">
+            <a:schemeClr val="lt1"/>
+          </a:fontRef>
+        </p:style>
+        <p:txBody>
+          <a:bodyPr rtlCol="0" anchor="ctr"/>
+          <a:lstStyle/>
+          <a:p>
+            <a:pPr algn="ctr"/>
+            <a:endParaRPr lang="en-IN"/>
+          </a:p>
+        </p:txBody>
+      </p:sp>
+      <p:sp>
+        <p:nvSpPr>
+          <p:cNvPr id="6" name="Rectangle 5">
+            <a:extLst>
+              <a:ext uri="{FF2B5EF4-FFF2-40B4-BE49-F238E27FC236}">
+                <a16:creationId xmlns:a16="http://schemas.microsoft.com/office/drawing/2014/main" id="{64CABBF1-94E9-44AB-96CF-CEC565AF52A9}"/>
+              </a:ext>
+            </a:extLst>
+          </p:cNvPr>
+          <p:cNvSpPr/>
+          <p:nvPr/>
+        </p:nvSpPr>
+        <p:spPr>
+          <a:xfrm>
+            <a:off x="1306747" y="3202022"/>
+            <a:ext cx="1008436" cy="236706"/>
+          </a:xfrm>
+          <a:prstGeom prst="rect">
+            <a:avLst/>
+          </a:prstGeom>
+          <a:noFill/>
+          <a:ln w="25400">
+            <a:solidFill>
+              <a:srgbClr val="FF0000"/>
+            </a:solidFill>
+          </a:ln>
+        </p:spPr>
+        <p:style>
+          <a:lnRef idx="2">
+            <a:schemeClr val="accent1">
+              <a:shade val="50000"/>
+            </a:schemeClr>
+          </a:lnRef>
+          <a:fillRef idx="1">
+            <a:schemeClr val="accent1"/>
+          </a:fillRef>
+          <a:effectRef idx="0">
+            <a:schemeClr val="accent1"/>
+          </a:effectRef>
+          <a:fontRef idx="minor">
+            <a:schemeClr val="lt1"/>
+          </a:fontRef>
+        </p:style>
+        <p:txBody>
+          <a:bodyPr rtlCol="0" anchor="ctr"/>
+          <a:lstStyle/>
+          <a:p>
+            <a:pPr algn="ctr"/>
+            <a:endParaRPr lang="en-IN"/>
+          </a:p>
+        </p:txBody>
+      </p:sp>
+      <p:sp>
+        <p:nvSpPr>
+          <p:cNvPr id="7" name="Rectangle 6">
+            <a:extLst>
+              <a:ext uri="{FF2B5EF4-FFF2-40B4-BE49-F238E27FC236}">
+                <a16:creationId xmlns:a16="http://schemas.microsoft.com/office/drawing/2014/main" id="{5DF23548-58E9-4FC0-B88C-C95A584F9258}"/>
+              </a:ext>
+            </a:extLst>
+          </p:cNvPr>
+          <p:cNvSpPr/>
+          <p:nvPr/>
+        </p:nvSpPr>
+        <p:spPr>
+          <a:xfrm>
+            <a:off x="1045723" y="4868694"/>
+            <a:ext cx="520430" cy="236706"/>
+          </a:xfrm>
+          <a:prstGeom prst="rect">
+            <a:avLst/>
+          </a:prstGeom>
+          <a:noFill/>
+          <a:ln w="25400">
+            <a:solidFill>
+              <a:srgbClr val="FF0000"/>
+            </a:solidFill>
+          </a:ln>
+        </p:spPr>
+        <p:style>
+          <a:lnRef idx="2">
+            <a:schemeClr val="accent1">
+              <a:shade val="50000"/>
+            </a:schemeClr>
+          </a:lnRef>
+          <a:fillRef idx="1">
+            <a:schemeClr val="accent1"/>
+          </a:fillRef>
+          <a:effectRef idx="0">
+            <a:schemeClr val="accent1"/>
+          </a:effectRef>
+          <a:fontRef idx="minor">
+            <a:schemeClr val="lt1"/>
+          </a:fontRef>
+        </p:style>
+        <p:txBody>
+          <a:bodyPr rtlCol="0" anchor="ctr"/>
+          <a:lstStyle/>
+          <a:p>
+            <a:pPr algn="ctr"/>
+            <a:endParaRPr lang="en-IN"/>
+          </a:p>
+        </p:txBody>
+      </p:sp>
+      <p:sp>
+        <p:nvSpPr>
+          <p:cNvPr id="8" name="Rectangle 7">
+            <a:extLst>
+              <a:ext uri="{FF2B5EF4-FFF2-40B4-BE49-F238E27FC236}">
+                <a16:creationId xmlns:a16="http://schemas.microsoft.com/office/drawing/2014/main" id="{C8394528-C7A6-4E31-AA08-39669496AE1B}"/>
+              </a:ext>
+            </a:extLst>
+          </p:cNvPr>
+          <p:cNvSpPr/>
+          <p:nvPr/>
+        </p:nvSpPr>
+        <p:spPr>
+          <a:xfrm>
+            <a:off x="4312595" y="4868694"/>
+            <a:ext cx="852791" cy="236706"/>
+          </a:xfrm>
+          <a:prstGeom prst="rect">
+            <a:avLst/>
+          </a:prstGeom>
+          <a:noFill/>
+          <a:ln w="25400">
+            <a:solidFill>
+              <a:srgbClr val="FF0000"/>
+            </a:solidFill>
+          </a:ln>
+        </p:spPr>
+        <p:style>
+          <a:lnRef idx="2">
+            <a:schemeClr val="accent1">
+              <a:shade val="50000"/>
+            </a:schemeClr>
+          </a:lnRef>
+          <a:fillRef idx="1">
+            <a:schemeClr val="accent1"/>
+          </a:fillRef>
+          <a:effectRef idx="0">
+            <a:schemeClr val="accent1"/>
+          </a:effectRef>
+          <a:fontRef idx="minor">
+            <a:schemeClr val="lt1"/>
+          </a:fontRef>
+        </p:style>
+        <p:txBody>
+          <a:bodyPr rtlCol="0" anchor="ctr"/>
+          <a:lstStyle/>
+          <a:p>
+            <a:pPr algn="ctr"/>
+            <a:endParaRPr lang="en-IN"/>
+          </a:p>
+        </p:txBody>
+      </p:sp>
+      <p:sp>
+        <p:nvSpPr>
+          <p:cNvPr id="9" name="Rectangle 8">
+            <a:extLst>
+              <a:ext uri="{FF2B5EF4-FFF2-40B4-BE49-F238E27FC236}">
+                <a16:creationId xmlns:a16="http://schemas.microsoft.com/office/drawing/2014/main" id="{C1479757-EE8D-4118-85CA-1099366E0A6C}"/>
+              </a:ext>
+            </a:extLst>
+          </p:cNvPr>
+          <p:cNvSpPr/>
+          <p:nvPr/>
+        </p:nvSpPr>
+        <p:spPr>
+          <a:xfrm>
+            <a:off x="2457855" y="583660"/>
+            <a:ext cx="2123873" cy="1021405"/>
+          </a:xfrm>
+          <a:prstGeom prst="rect">
+            <a:avLst/>
+          </a:prstGeom>
+          <a:noFill/>
+          <a:ln w="25400">
+            <a:solidFill>
+              <a:srgbClr val="FF0000"/>
+            </a:solidFill>
+          </a:ln>
+        </p:spPr>
+        <p:style>
+          <a:lnRef idx="2">
+            <a:schemeClr val="accent1">
+              <a:shade val="50000"/>
+            </a:schemeClr>
+          </a:lnRef>
+          <a:fillRef idx="1">
+            <a:schemeClr val="accent1"/>
+          </a:fillRef>
+          <a:effectRef idx="0">
+            <a:schemeClr val="accent1"/>
+          </a:effectRef>
+          <a:fontRef idx="minor">
+            <a:schemeClr val="lt1"/>
+          </a:fontRef>
+        </p:style>
+        <p:txBody>
+          <a:bodyPr rtlCol="0" anchor="ctr"/>
+          <a:lstStyle/>
+          <a:p>
+            <a:pPr algn="ctr"/>
+            <a:endParaRPr lang="en-IN"/>
+          </a:p>
+        </p:txBody>
+      </p:sp>
+    </p:spTree>
+    <p:extLst>
+      <p:ext uri="{BB962C8B-B14F-4D97-AF65-F5344CB8AC3E}">
+        <p14:creationId xmlns:p14="http://schemas.microsoft.com/office/powerpoint/2010/main" val="382972203"/>
+      </p:ext>
+    </p:extLst>
+  </p:cSld>
+  <p:clrMapOvr>
+    <a:masterClrMapping/>
+  </p:clrMapOvr>
+</p:sld>
+</file>
+
+<file path=ppt/slides/slide4.xml><?xml version="1.0" encoding="utf-8"?>
+<p:sld xmlns:a="http://schemas.openxmlformats.org/drawingml/2006/main" xmlns:r="http://schemas.openxmlformats.org/officeDocument/2006/relationships" xmlns:p="http://schemas.openxmlformats.org/presentationml/2006/main">
+  <p:cSld>
+    <p:spTree>
+      <p:nvGrpSpPr>
+        <p:cNvPr id="1" name=""/>
+        <p:cNvGrpSpPr/>
+        <p:nvPr/>
+      </p:nvGrpSpPr>
+      <p:grpSpPr>
+        <a:xfrm>
+          <a:off x="0" y="0"/>
+          <a:ext cx="0" cy="0"/>
+          <a:chOff x="0" y="0"/>
+          <a:chExt cx="0" cy="0"/>
+        </a:xfrm>
+      </p:grpSpPr>
+      <p:pic>
+        <p:nvPicPr>
+          <p:cNvPr id="3" name="Picture 2">
+            <a:extLst>
+              <a:ext uri="{FF2B5EF4-FFF2-40B4-BE49-F238E27FC236}">
+                <a16:creationId xmlns:a16="http://schemas.microsoft.com/office/drawing/2014/main" id="{22C7CB3D-780E-4676-B2BA-3F93838EC10F}"/>
+              </a:ext>
+            </a:extLst>
+          </p:cNvPr>
+          <p:cNvPicPr>
+            <a:picLocks noChangeAspect="1"/>
+          </p:cNvPicPr>
+          <p:nvPr/>
+        </p:nvPicPr>
+        <p:blipFill rotWithShape="1">
+          <a:blip r:embed="rId2"/>
+          <a:srcRect l="22459" t="26383" r="23108" b="25248"/>
+          <a:stretch/>
+        </p:blipFill>
+        <p:spPr>
+          <a:xfrm>
+            <a:off x="184826" y="218871"/>
+            <a:ext cx="8065884" cy="4479587"/>
+          </a:xfrm>
+          <a:prstGeom prst="rect">
+            <a:avLst/>
+          </a:prstGeom>
+          <a:ln w="15875">
+            <a:solidFill>
+              <a:schemeClr val="tx1"/>
+            </a:solidFill>
+          </a:ln>
+        </p:spPr>
+      </p:pic>
+      <p:sp>
+        <p:nvSpPr>
+          <p:cNvPr id="4" name="Rectangle 3">
+            <a:extLst>
+              <a:ext uri="{FF2B5EF4-FFF2-40B4-BE49-F238E27FC236}">
+                <a16:creationId xmlns:a16="http://schemas.microsoft.com/office/drawing/2014/main" id="{D807F721-7B90-4F5F-8D9A-CC18185351F3}"/>
+              </a:ext>
+            </a:extLst>
+          </p:cNvPr>
+          <p:cNvSpPr/>
+          <p:nvPr/>
+        </p:nvSpPr>
+        <p:spPr>
+          <a:xfrm>
+            <a:off x="3453320" y="2023353"/>
+            <a:ext cx="1264595" cy="330741"/>
+          </a:xfrm>
+          <a:prstGeom prst="rect">
+            <a:avLst/>
+          </a:prstGeom>
+          <a:noFill/>
+          <a:ln w="25400">
+            <a:solidFill>
+              <a:srgbClr val="FF0000"/>
+            </a:solidFill>
+          </a:ln>
+        </p:spPr>
+        <p:style>
+          <a:lnRef idx="2">
+            <a:schemeClr val="accent1">
+              <a:shade val="50000"/>
+            </a:schemeClr>
+          </a:lnRef>
+          <a:fillRef idx="1">
+            <a:schemeClr val="accent1"/>
+          </a:fillRef>
+          <a:effectRef idx="0">
+            <a:schemeClr val="accent1"/>
+          </a:effectRef>
+          <a:fontRef idx="minor">
+            <a:schemeClr val="lt1"/>
+          </a:fontRef>
+        </p:style>
+        <p:txBody>
+          <a:bodyPr rtlCol="0" anchor="ctr"/>
+          <a:lstStyle/>
+          <a:p>
+            <a:pPr algn="ctr"/>
+            <a:endParaRPr lang="en-IN"/>
+          </a:p>
+        </p:txBody>
+      </p:sp>
+      <p:sp>
+        <p:nvSpPr>
+          <p:cNvPr id="5" name="Rectangle 4">
+            <a:extLst>
+              <a:ext uri="{FF2B5EF4-FFF2-40B4-BE49-F238E27FC236}">
+                <a16:creationId xmlns:a16="http://schemas.microsoft.com/office/drawing/2014/main" id="{DC9D1689-043C-4C00-87B4-469B29BD26CF}"/>
+              </a:ext>
+            </a:extLst>
+          </p:cNvPr>
+          <p:cNvSpPr/>
+          <p:nvPr/>
+        </p:nvSpPr>
+        <p:spPr>
+          <a:xfrm>
+            <a:off x="573932" y="3278220"/>
+            <a:ext cx="4815191" cy="1420237"/>
+          </a:xfrm>
+          <a:prstGeom prst="rect">
+            <a:avLst/>
+          </a:prstGeom>
+          <a:noFill/>
+          <a:ln w="25400">
+            <a:solidFill>
+              <a:srgbClr val="FF0000"/>
+            </a:solidFill>
+          </a:ln>
+        </p:spPr>
+        <p:style>
+          <a:lnRef idx="2">
+            <a:schemeClr val="accent1">
+              <a:shade val="50000"/>
+            </a:schemeClr>
+          </a:lnRef>
+          <a:fillRef idx="1">
+            <a:schemeClr val="accent1"/>
+          </a:fillRef>
+          <a:effectRef idx="0">
+            <a:schemeClr val="accent1"/>
+          </a:effectRef>
+          <a:fontRef idx="minor">
+            <a:schemeClr val="lt1"/>
+          </a:fontRef>
+        </p:style>
+        <p:txBody>
+          <a:bodyPr rtlCol="0" anchor="ctr"/>
+          <a:lstStyle/>
+          <a:p>
+            <a:pPr algn="ctr"/>
+            <a:endParaRPr lang="en-IN"/>
+          </a:p>
+        </p:txBody>
+      </p:sp>
+    </p:spTree>
+    <p:extLst>
+      <p:ext uri="{BB962C8B-B14F-4D97-AF65-F5344CB8AC3E}">
+        <p14:creationId xmlns:p14="http://schemas.microsoft.com/office/powerpoint/2010/main" val="2970778045"/>
+      </p:ext>
+    </p:extLst>
+  </p:cSld>
+  <p:clrMapOvr>
+    <a:masterClrMapping/>
+  </p:clrMapOvr>
+</p:sld>
+</file>
+
+<file path=ppt/slides/slide5.xml><?xml version="1.0" encoding="utf-8"?>
+<p:sld xmlns:a="http://schemas.openxmlformats.org/drawingml/2006/main" xmlns:r="http://schemas.openxmlformats.org/officeDocument/2006/relationships" xmlns:p="http://schemas.openxmlformats.org/presentationml/2006/main">
+  <p:cSld>
+    <p:spTree>
+      <p:nvGrpSpPr>
+        <p:cNvPr id="1" name=""/>
+        <p:cNvGrpSpPr/>
+        <p:nvPr/>
+      </p:nvGrpSpPr>
+      <p:grpSpPr>
+        <a:xfrm>
+          <a:off x="0" y="0"/>
+          <a:ext cx="0" cy="0"/>
+          <a:chOff x="0" y="0"/>
+          <a:chExt cx="0" cy="0"/>
+        </a:xfrm>
+      </p:grpSpPr>
+    </p:spTree>
+    <p:extLst>
+      <p:ext uri="{BB962C8B-B14F-4D97-AF65-F5344CB8AC3E}">
+        <p14:creationId xmlns:p14="http://schemas.microsoft.com/office/powerpoint/2010/main" val="1486047437"/>
       </p:ext>
     </p:extLst>
   </p:cSld>
